--- a/Doc/软件构造基础结题报告.pptx
+++ b/Doc/软件构造基础结题报告.pptx
@@ -213,7 +213,7 @@
           <a:p>
             <a:fld id="{BE7AD43C-5C62-42D3-A7AB-7CA0B87DEA68}" type="datetimeFigureOut">
               <a:rPr lang="zh-CN" altLang="en-US" smtClean="0"/>
-              <a:t>2020/6/20</a:t>
+              <a:t>2020/6/21</a:t>
             </a:fld>
             <a:endParaRPr lang="zh-CN" altLang="en-US"/>
           </a:p>
@@ -1696,7 +1696,7 @@
           <a:p>
             <a:fld id="{956724C3-94B4-4070-A37C-78EC73D06AE0}" type="datetimeFigureOut">
               <a:rPr lang="zh-CN" altLang="en-US" smtClean="0"/>
-              <a:t>2020/6/20</a:t>
+              <a:t>2020/6/21</a:t>
             </a:fld>
             <a:endParaRPr lang="zh-CN" altLang="en-US"/>
           </a:p>
@@ -1937,7 +1937,7 @@
           <a:p>
             <a:fld id="{956724C3-94B4-4070-A37C-78EC73D06AE0}" type="datetimeFigureOut">
               <a:rPr lang="zh-CN" altLang="en-US" smtClean="0"/>
-              <a:t>2020/6/20</a:t>
+              <a:t>2020/6/21</a:t>
             </a:fld>
             <a:endParaRPr lang="zh-CN" altLang="en-US"/>
           </a:p>
@@ -2535,8 +2535,8 @@
         </p:nvSpPr>
         <p:spPr>
           <a:xfrm>
-            <a:off x="3138819" y="4026518"/>
-            <a:ext cx="8427870" cy="584751"/>
+            <a:off x="2630078" y="4026518"/>
+            <a:ext cx="8936611" cy="584751"/>
           </a:xfrm>
           <a:prstGeom prst="rect">
             <a:avLst/>
@@ -2570,7 +2570,7 @@
                 <a:cs typeface="+mn-ea"/>
                 <a:sym typeface="+mn-lt"/>
               </a:rPr>
-              <a:t>吴轲 李华逸 胡文韬 钟运鸣 吴学玮</a:t>
+              <a:t>吴轲 李华逸 寿科益 胡文韬 钟运鸣 吴学玮</a:t>
             </a:r>
             <a:endParaRPr lang="en-US" altLang="zh-CN" sz="3200" spc="400" dirty="0">
               <a:latin typeface="+mn-lt"/>
@@ -10111,60 +10111,6 @@
           </a:p>
         </p:txBody>
       </p:sp>
-      <p:sp>
-        <p:nvSpPr>
-          <p:cNvPr id="8" name="TextBox 10"/>
-          <p:cNvSpPr txBox="1"/>
-          <p:nvPr/>
-        </p:nvSpPr>
-        <p:spPr>
-          <a:xfrm>
-            <a:off x="3138819" y="4026518"/>
-            <a:ext cx="8427870" cy="584751"/>
-          </a:xfrm>
-          <a:prstGeom prst="rect">
-            <a:avLst/>
-          </a:prstGeom>
-          <a:noFill/>
-        </p:spPr>
-        <p:txBody>
-          <a:bodyPr wrap="square" lIns="91416" tIns="45708" rIns="91416" bIns="45708" rtlCol="0">
-            <a:spAutoFit/>
-          </a:bodyPr>
-          <a:lstStyle>
-            <a:defPPr>
-              <a:defRPr lang="zh-CN"/>
-            </a:defPPr>
-            <a:lvl1pPr>
-              <a:defRPr sz="2000">
-                <a:solidFill>
-                  <a:schemeClr val="bg1"/>
-                </a:solidFill>
-                <a:latin typeface="微软雅黑"/>
-                <a:ea typeface="微软雅黑"/>
-              </a:defRPr>
-            </a:lvl1pPr>
-          </a:lstStyle>
-          <a:p>
-            <a:pPr algn="ctr"/>
-            <a:r>
-              <a:rPr lang="zh-CN" altLang="en-US" sz="3200" spc="400" dirty="0">
-                <a:latin typeface="+mn-lt"/>
-                <a:ea typeface="+mn-ea"/>
-                <a:cs typeface="+mn-ea"/>
-                <a:sym typeface="+mn-lt"/>
-              </a:rPr>
-              <a:t>吴轲 李华逸 胡文韬 钟运鸣 吴学玮</a:t>
-            </a:r>
-            <a:endParaRPr lang="en-US" altLang="zh-CN" sz="3200" spc="400" dirty="0">
-              <a:latin typeface="+mn-lt"/>
-              <a:ea typeface="+mn-ea"/>
-              <a:cs typeface="+mn-ea"/>
-              <a:sym typeface="+mn-lt"/>
-            </a:endParaRPr>
-          </a:p>
-        </p:txBody>
-      </p:sp>
       <p:grpSp>
         <p:nvGrpSpPr>
           <p:cNvPr id="10" name="组合 9"/>
@@ -11253,6 +11199,66 @@
           </p:txBody>
         </p:sp>
       </p:grpSp>
+      <p:sp>
+        <p:nvSpPr>
+          <p:cNvPr id="16" name="TextBox 10">
+            <a:extLst>
+              <a:ext uri="{FF2B5EF4-FFF2-40B4-BE49-F238E27FC236}">
+                <a16:creationId xmlns:a16="http://schemas.microsoft.com/office/drawing/2014/main" id="{6C734A3E-299D-4675-8BBA-290232D87678}"/>
+              </a:ext>
+            </a:extLst>
+          </p:cNvPr>
+          <p:cNvSpPr txBox="1"/>
+          <p:nvPr/>
+        </p:nvSpPr>
+        <p:spPr>
+          <a:xfrm>
+            <a:off x="2630078" y="4026518"/>
+            <a:ext cx="8936611" cy="584751"/>
+          </a:xfrm>
+          <a:prstGeom prst="rect">
+            <a:avLst/>
+          </a:prstGeom>
+          <a:noFill/>
+        </p:spPr>
+        <p:txBody>
+          <a:bodyPr wrap="square" lIns="91416" tIns="45708" rIns="91416" bIns="45708" rtlCol="0">
+            <a:spAutoFit/>
+          </a:bodyPr>
+          <a:lstStyle>
+            <a:defPPr>
+              <a:defRPr lang="zh-CN"/>
+            </a:defPPr>
+            <a:lvl1pPr>
+              <a:defRPr sz="2000">
+                <a:solidFill>
+                  <a:schemeClr val="bg1"/>
+                </a:solidFill>
+                <a:latin typeface="微软雅黑"/>
+                <a:ea typeface="微软雅黑"/>
+              </a:defRPr>
+            </a:lvl1pPr>
+          </a:lstStyle>
+          <a:p>
+            <a:pPr algn="ctr"/>
+            <a:r>
+              <a:rPr lang="zh-CN" altLang="en-US" sz="3200" spc="400" dirty="0">
+                <a:latin typeface="+mn-lt"/>
+                <a:ea typeface="+mn-ea"/>
+                <a:cs typeface="+mn-ea"/>
+                <a:sym typeface="+mn-lt"/>
+              </a:rPr>
+              <a:t>吴轲 李华逸 寿科益 胡文韬 钟运鸣 吴学玮</a:t>
+            </a:r>
+            <a:endParaRPr lang="en-US" altLang="zh-CN" sz="3200" spc="400" dirty="0">
+              <a:latin typeface="+mn-lt"/>
+              <a:ea typeface="+mn-ea"/>
+              <a:cs typeface="+mn-ea"/>
+              <a:sym typeface="+mn-lt"/>
+            </a:endParaRPr>
+          </a:p>
+        </p:txBody>
+      </p:sp>
     </p:spTree>
     <p:extLst>
       <p:ext uri="{BB962C8B-B14F-4D97-AF65-F5344CB8AC3E}">
